--- a/Présentation.pptx
+++ b/Présentation.pptx
@@ -7088,10 +7088,10 @@
       </p:sp>
       <p:pic>
         <p:nvPicPr>
-          <p:cNvPr id="4" name="Picture 3">
+          <p:cNvPr id="5" name="Picture 4">
             <a:extLst>
               <a:ext uri="{FF2B5EF4-FFF2-40B4-BE49-F238E27FC236}">
-                <a16:creationId xmlns:a16="http://schemas.microsoft.com/office/drawing/2014/main" id="{C2130F7C-2B82-33F6-1DCC-7800B67E8F3C}"/>
+                <a16:creationId xmlns:a16="http://schemas.microsoft.com/office/drawing/2014/main" id="{B099179C-73DB-9C70-39A1-42322F2A9C51}"/>
               </a:ext>
             </a:extLst>
           </p:cNvPr>
@@ -7108,8 +7108,8 @@
         </p:blipFill>
         <p:spPr>
           <a:xfrm>
-            <a:off x="1674056" y="712645"/>
-            <a:ext cx="6376250" cy="4174173"/>
+            <a:off x="1210718" y="712645"/>
+            <a:ext cx="6722562" cy="4179863"/>
           </a:xfrm>
           <a:prstGeom prst="rect">
             <a:avLst/>

--- a/Présentation.pptx
+++ b/Présentation.pptx
@@ -6339,7 +6339,7 @@
                 <a:ea typeface="Calibri" panose="020F0502020204030204" pitchFamily="34" charset="0"/>
                 <a:cs typeface="Arial" panose="020B0604020202020204" pitchFamily="34" charset="0"/>
               </a:rPr>
-              <a:t>- </a:t>
+              <a:t>- Prof. </a:t>
             </a:r>
             <a:r>
               <a:rPr lang="fr-FR" sz="1200" kern="100" dirty="0" err="1">
@@ -6371,24 +6371,21 @@
                 <a:ea typeface="Calibri" panose="020F0502020204030204" pitchFamily="34" charset="0"/>
                 <a:cs typeface="Arial" panose="020B0604020202020204" pitchFamily="34" charset="0"/>
               </a:rPr>
-              <a:t>- </a:t>
+              <a:t>- Prof. </a:t>
             </a:r>
             <a:r>
-              <a:rPr lang="fr-FR" sz="1200" kern="100" dirty="0" err="1">
+              <a:rPr lang="fr-FR" sz="1200" kern="100">
                 <a:latin typeface="Times New Roman" panose="02020603050405020304" pitchFamily="18" charset="0"/>
                 <a:ea typeface="Calibri" panose="020F0502020204030204" pitchFamily="34" charset="0"/>
                 <a:cs typeface="Arial" panose="020B0604020202020204" pitchFamily="34" charset="0"/>
               </a:rPr>
-              <a:t>Anejjar</a:t>
+              <a:t>Anejja</a:t>
             </a:r>
-            <a:r>
-              <a:rPr lang="fr-FR" sz="1200" kern="100" dirty="0">
-                <a:latin typeface="Times New Roman" panose="02020603050405020304" pitchFamily="18" charset="0"/>
-                <a:ea typeface="Calibri" panose="020F0502020204030204" pitchFamily="34" charset="0"/>
-                <a:cs typeface="Arial" panose="020B0604020202020204" pitchFamily="34" charset="0"/>
-              </a:rPr>
-              <a:t> Khadija</a:t>
-            </a:r>
+            <a:endParaRPr lang="fr-FR" sz="1200" kern="100" dirty="0">
+              <a:latin typeface="Times New Roman" panose="02020603050405020304" pitchFamily="18" charset="0"/>
+              <a:ea typeface="Calibri" panose="020F0502020204030204" pitchFamily="34" charset="0"/>
+              <a:cs typeface="Arial" panose="020B0604020202020204" pitchFamily="34" charset="0"/>
+            </a:endParaRPr>
           </a:p>
         </p:txBody>
       </p:sp>
